--- a/Documents/Presentation-Day5.pptx
+++ b/Documents/Presentation-Day5.pptx
@@ -5,10 +5,10 @@
     <p:sldMasterId id="2147483648" r:id="rId1"/>
   </p:sldMasterIdLst>
   <p:notesMasterIdLst>
-    <p:notesMasterId r:id="rId13"/>
+    <p:notesMasterId r:id="rId14"/>
   </p:notesMasterIdLst>
   <p:handoutMasterIdLst>
-    <p:handoutMasterId r:id="rId14"/>
+    <p:handoutMasterId r:id="rId15"/>
   </p:handoutMasterIdLst>
   <p:sldIdLst>
     <p:sldId id="267" r:id="rId2"/>
@@ -18,10 +18,11 @@
     <p:sldId id="335" r:id="rId6"/>
     <p:sldId id="338" r:id="rId7"/>
     <p:sldId id="341" r:id="rId8"/>
-    <p:sldId id="339" r:id="rId9"/>
-    <p:sldId id="340" r:id="rId10"/>
-    <p:sldId id="342" r:id="rId11"/>
-    <p:sldId id="325" r:id="rId12"/>
+    <p:sldId id="343" r:id="rId9"/>
+    <p:sldId id="339" r:id="rId10"/>
+    <p:sldId id="340" r:id="rId11"/>
+    <p:sldId id="342" r:id="rId12"/>
+    <p:sldId id="325" r:id="rId13"/>
   </p:sldIdLst>
   <p:sldSz cx="10972800" cy="7315200"/>
   <p:notesSz cx="6858000" cy="9144000"/>
@@ -122,7 +123,7 @@
   </p:defaultTextStyle>
   <p:extLst>
     <p:ext uri="{EFAFB233-063F-42B5-8137-9DF3F51BA10A}">
-      <p15:sldGuideLst xmlns:p15="http://schemas.microsoft.com/office/powerpoint/2012/main" xmlns="">
+      <p15:sldGuideLst xmlns="" xmlns:p15="http://schemas.microsoft.com/office/powerpoint/2012/main">
         <p15:guide id="1" orient="horz" pos="2304">
           <p15:clr>
             <a:srgbClr val="A4A3A4"/>
@@ -166,7 +167,7 @@
           <p:cNvPr id="2" name="Header Placeholder 1">
             <a:extLst>
               <a:ext uri="{FF2B5EF4-FFF2-40B4-BE49-F238E27FC236}">
-                <a16:creationId xmlns:a16="http://schemas.microsoft.com/office/drawing/2014/main" xmlns="" id="{7525DA16-A662-4B40-A7D1-84738FA7B200}"/>
+                <a16:creationId xmlns="" xmlns:a16="http://schemas.microsoft.com/office/drawing/2014/main" id="{7525DA16-A662-4B40-A7D1-84738FA7B200}"/>
               </a:ext>
             </a:extLst>
           </p:cNvPr>
@@ -203,7 +204,7 @@
           <p:cNvPr id="3" name="Date Placeholder 2">
             <a:extLst>
               <a:ext uri="{FF2B5EF4-FFF2-40B4-BE49-F238E27FC236}">
-                <a16:creationId xmlns:a16="http://schemas.microsoft.com/office/drawing/2014/main" xmlns="" id="{51CDE38F-397B-459E-94C9-AA9DB2352978}"/>
+                <a16:creationId xmlns="" xmlns:a16="http://schemas.microsoft.com/office/drawing/2014/main" id="{51CDE38F-397B-459E-94C9-AA9DB2352978}"/>
               </a:ext>
             </a:extLst>
           </p:cNvPr>
@@ -244,7 +245,7 @@
           <p:cNvPr id="4" name="Footer Placeholder 3">
             <a:extLst>
               <a:ext uri="{FF2B5EF4-FFF2-40B4-BE49-F238E27FC236}">
-                <a16:creationId xmlns:a16="http://schemas.microsoft.com/office/drawing/2014/main" xmlns="" id="{18997E4A-415D-4D1B-8A8F-C2352EB28892}"/>
+                <a16:creationId xmlns="" xmlns:a16="http://schemas.microsoft.com/office/drawing/2014/main" id="{18997E4A-415D-4D1B-8A8F-C2352EB28892}"/>
               </a:ext>
             </a:extLst>
           </p:cNvPr>
@@ -281,7 +282,7 @@
           <p:cNvPr id="5" name="Slide Number Placeholder 4">
             <a:extLst>
               <a:ext uri="{FF2B5EF4-FFF2-40B4-BE49-F238E27FC236}">
-                <a16:creationId xmlns:a16="http://schemas.microsoft.com/office/drawing/2014/main" xmlns="" id="{D9FC56FB-CE1D-4B6F-BBDA-0910B2B2939A}"/>
+                <a16:creationId xmlns="" xmlns:a16="http://schemas.microsoft.com/office/drawing/2014/main" id="{D9FC56FB-CE1D-4B6F-BBDA-0910B2B2939A}"/>
               </a:ext>
             </a:extLst>
           </p:cNvPr>
@@ -3667,8 +3668,8 @@
           <a:lstStyle/>
           <a:p>
             <a:r>
-              <a:rPr lang="en-IN" dirty="0" smtClean="0"/>
-              <a:t>Event</a:t>
+              <a:rPr lang="en-US" dirty="0"/>
+              <a:t>Multicast Delegates</a:t>
             </a:r>
             <a:endParaRPr lang="en-IN" dirty="0"/>
           </a:p>
@@ -3676,7 +3677,7 @@
       </p:sp>
       <p:sp>
         <p:nvSpPr>
-          <p:cNvPr id="5" name="Content Placeholder 4"/>
+          <p:cNvPr id="3" name="Content Placeholder 2"/>
           <p:cNvSpPr>
             <a:spLocks noGrp="1"/>
           </p:cNvSpPr>
@@ -3686,107 +3687,62 @@
         </p:nvSpPr>
         <p:spPr/>
         <p:txBody>
-          <a:bodyPr/>
+          <a:bodyPr>
+            <a:normAutofit fontScale="77500" lnSpcReduction="20000"/>
+          </a:bodyPr>
           <a:lstStyle/>
           <a:p>
-            <a:pPr lvl="0"/>
-            <a:r>
-              <a:rPr lang="en-US" dirty="0"/>
-              <a:t>A</a:t>
-            </a:r>
-            <a:r>
-              <a:rPr lang="en-US" dirty="0" smtClean="0"/>
-              <a:t>ny </a:t>
-            </a:r>
-            <a:r>
-              <a:rPr lang="en-US" dirty="0"/>
-              <a:t>object can </a:t>
-            </a:r>
-            <a:r>
-              <a:rPr lang="en-US" i="1" dirty="0"/>
-              <a:t>publish</a:t>
-            </a:r>
-            <a:r>
-              <a:rPr lang="en-US" dirty="0"/>
-              <a:t> a set of events to which other </a:t>
-            </a:r>
-            <a:r>
-              <a:rPr lang="en-US" dirty="0" smtClean="0"/>
-              <a:t>object can</a:t>
-            </a:r>
-            <a:r>
-              <a:rPr lang="en-US" dirty="0"/>
-              <a:t> </a:t>
-            </a:r>
-            <a:r>
-              <a:rPr lang="en-US" i="1" dirty="0"/>
-              <a:t>subscribe</a:t>
-            </a:r>
-            <a:r>
-              <a:rPr lang="en-US" dirty="0"/>
-              <a:t>. When the publishing class raises an event, all the subscribed </a:t>
-            </a:r>
-            <a:r>
-              <a:rPr lang="en-US" dirty="0" smtClean="0"/>
-              <a:t>object are </a:t>
-            </a:r>
-            <a:r>
-              <a:rPr lang="en-US" dirty="0"/>
-              <a:t>notified.</a:t>
-            </a:r>
-            <a:endParaRPr lang="en-US" dirty="0" smtClean="0"/>
-          </a:p>
-          <a:p>
-            <a:pPr lvl="0"/>
-            <a:r>
-              <a:rPr lang="en-US" dirty="0" smtClean="0"/>
-              <a:t>Event </a:t>
-            </a:r>
-            <a:r>
-              <a:rPr lang="en-US" dirty="0"/>
-              <a:t>Handlers </a:t>
-            </a:r>
-            <a:r>
-              <a:rPr lang="en-US" dirty="0" smtClean="0"/>
-              <a:t>return </a:t>
-            </a:r>
-            <a:r>
-              <a:rPr lang="en-US" dirty="0"/>
-              <a:t>void and take two parameters.</a:t>
-            </a:r>
-            <a:endParaRPr lang="en-IN" dirty="0"/>
-          </a:p>
-          <a:p>
-            <a:pPr lvl="0"/>
-            <a:r>
-              <a:rPr lang="en-US" dirty="0"/>
-              <a:t>The first </a:t>
-            </a:r>
-            <a:r>
-              <a:rPr lang="en-US" dirty="0" smtClean="0"/>
-              <a:t>parameter </a:t>
-            </a:r>
-            <a:r>
-              <a:rPr lang="en-US" dirty="0"/>
-              <a:t>is the source of the event; that is the publishing object.</a:t>
-            </a:r>
-            <a:endParaRPr lang="en-IN" dirty="0"/>
-          </a:p>
-          <a:p>
-            <a:pPr lvl="0"/>
-            <a:r>
-              <a:rPr lang="en-US" dirty="0"/>
-              <a:t>The second parameter is an object derived from </a:t>
-            </a:r>
-            <a:r>
-              <a:rPr lang="en-US" dirty="0" err="1"/>
-              <a:t>EventArgs</a:t>
-            </a:r>
-            <a:r>
-              <a:rPr lang="en-US" dirty="0"/>
-              <a:t>.</a:t>
-            </a:r>
-            <a:endParaRPr lang="en-IN" dirty="0"/>
+            <a:r>
+              <a:rPr lang="en-US" dirty="0" smtClean="0"/>
+              <a:t>A </a:t>
+            </a:r>
+            <a:r>
+              <a:rPr lang="en-US" dirty="0"/>
+              <a:t>Multicast delegate is a delegate that has references to more than one function. When you invoke a multicast delegate, all the functions the delegate is pointing to, are invoked.</a:t>
+            </a:r>
+          </a:p>
+          <a:p>
+            <a:endParaRPr lang="en-US" dirty="0"/>
+          </a:p>
+          <a:p>
+            <a:r>
+              <a:rPr lang="en-US" dirty="0"/>
+              <a:t>There are 2 approaches to create a multicast delegate. Depending on the approach you use</a:t>
+            </a:r>
+          </a:p>
+          <a:p>
+            <a:pPr lvl="2"/>
+            <a:r>
+              <a:rPr lang="en-US" dirty="0"/>
+              <a:t>+ or += to register a method with the delegate</a:t>
+            </a:r>
+          </a:p>
+          <a:p>
+            <a:pPr lvl="2"/>
+            <a:r>
+              <a:rPr lang="en-US" dirty="0"/>
+              <a:t>- or -= to un-register a method with the delegate</a:t>
+            </a:r>
+          </a:p>
+          <a:p>
+            <a:r>
+              <a:rPr lang="en-US" dirty="0" smtClean="0"/>
+              <a:t>A </a:t>
+            </a:r>
+            <a:r>
+              <a:rPr lang="en-US" dirty="0"/>
+              <a:t>multicast delegate, invokes the methods in the invocation list, in the same order in which they are added.</a:t>
+            </a:r>
+          </a:p>
+          <a:p>
+            <a:r>
+              <a:rPr lang="en-US" dirty="0" smtClean="0"/>
+              <a:t>If </a:t>
+            </a:r>
+            <a:r>
+              <a:rPr lang="en-US" dirty="0"/>
+              <a:t>the delegate has a return type other than void and if the delegate is a multicast delegate, only the value of the last invoked method will be returned. Along the same lines, if the delegate has an out parameter, the value of the output parameter, will be the value assigned by the last method.</a:t>
+            </a:r>
           </a:p>
           <a:p>
             <a:endParaRPr lang="en-IN" dirty="0"/>
@@ -3796,7 +3752,7 @@
     </p:spTree>
     <p:extLst>
       <p:ext uri="{BB962C8B-B14F-4D97-AF65-F5344CB8AC3E}">
-        <p14:creationId xmlns:p14="http://schemas.microsoft.com/office/powerpoint/2010/main" val="818536655"/>
+        <p14:creationId xmlns:p14="http://schemas.microsoft.com/office/powerpoint/2010/main" val="2056468257"/>
       </p:ext>
     </p:extLst>
   </p:cSld>
@@ -3825,6 +3781,178 @@
       </p:grpSpPr>
       <p:sp>
         <p:nvSpPr>
+          <p:cNvPr id="2" name="Title 1"/>
+          <p:cNvSpPr>
+            <a:spLocks noGrp="1"/>
+          </p:cNvSpPr>
+          <p:nvPr>
+            <p:ph type="title"/>
+          </p:nvPr>
+        </p:nvSpPr>
+        <p:spPr/>
+        <p:txBody>
+          <a:bodyPr/>
+          <a:lstStyle/>
+          <a:p>
+            <a:r>
+              <a:rPr lang="en-IN" dirty="0" smtClean="0"/>
+              <a:t>Event</a:t>
+            </a:r>
+            <a:endParaRPr lang="en-IN" dirty="0"/>
+          </a:p>
+        </p:txBody>
+      </p:sp>
+      <p:sp>
+        <p:nvSpPr>
+          <p:cNvPr id="5" name="Content Placeholder 4"/>
+          <p:cNvSpPr>
+            <a:spLocks noGrp="1"/>
+          </p:cNvSpPr>
+          <p:nvPr>
+            <p:ph idx="1"/>
+          </p:nvPr>
+        </p:nvSpPr>
+        <p:spPr/>
+        <p:txBody>
+          <a:bodyPr/>
+          <a:lstStyle/>
+          <a:p>
+            <a:pPr lvl="0"/>
+            <a:r>
+              <a:rPr lang="en-US" dirty="0"/>
+              <a:t>A</a:t>
+            </a:r>
+            <a:r>
+              <a:rPr lang="en-US" dirty="0" smtClean="0"/>
+              <a:t>ny </a:t>
+            </a:r>
+            <a:r>
+              <a:rPr lang="en-US" dirty="0"/>
+              <a:t>object can </a:t>
+            </a:r>
+            <a:r>
+              <a:rPr lang="en-US" i="1" dirty="0"/>
+              <a:t>publish</a:t>
+            </a:r>
+            <a:r>
+              <a:rPr lang="en-US" dirty="0"/>
+              <a:t> a set of events to which other </a:t>
+            </a:r>
+            <a:r>
+              <a:rPr lang="en-US" dirty="0" smtClean="0"/>
+              <a:t>object can</a:t>
+            </a:r>
+            <a:r>
+              <a:rPr lang="en-US" dirty="0"/>
+              <a:t> </a:t>
+            </a:r>
+            <a:r>
+              <a:rPr lang="en-US" i="1" dirty="0"/>
+              <a:t>subscribe</a:t>
+            </a:r>
+            <a:r>
+              <a:rPr lang="en-US" dirty="0"/>
+              <a:t>. When the publishing class raises an event, all the subscribed </a:t>
+            </a:r>
+            <a:r>
+              <a:rPr lang="en-US" dirty="0" smtClean="0"/>
+              <a:t>object are </a:t>
+            </a:r>
+            <a:r>
+              <a:rPr lang="en-US" dirty="0"/>
+              <a:t>notified.</a:t>
+            </a:r>
+            <a:endParaRPr lang="en-US" dirty="0" smtClean="0"/>
+          </a:p>
+          <a:p>
+            <a:pPr lvl="0"/>
+            <a:r>
+              <a:rPr lang="en-US" dirty="0" smtClean="0"/>
+              <a:t>Event </a:t>
+            </a:r>
+            <a:r>
+              <a:rPr lang="en-US" dirty="0"/>
+              <a:t>Handlers </a:t>
+            </a:r>
+            <a:r>
+              <a:rPr lang="en-US" dirty="0" smtClean="0"/>
+              <a:t>return </a:t>
+            </a:r>
+            <a:r>
+              <a:rPr lang="en-US" dirty="0"/>
+              <a:t>void and take two parameters.</a:t>
+            </a:r>
+            <a:endParaRPr lang="en-IN" dirty="0"/>
+          </a:p>
+          <a:p>
+            <a:pPr lvl="0"/>
+            <a:r>
+              <a:rPr lang="en-US" dirty="0"/>
+              <a:t>The first </a:t>
+            </a:r>
+            <a:r>
+              <a:rPr lang="en-US" dirty="0" smtClean="0"/>
+              <a:t>parameter </a:t>
+            </a:r>
+            <a:r>
+              <a:rPr lang="en-US" dirty="0"/>
+              <a:t>is the source of the event; that is the publishing object.</a:t>
+            </a:r>
+            <a:endParaRPr lang="en-IN" dirty="0"/>
+          </a:p>
+          <a:p>
+            <a:pPr lvl="0"/>
+            <a:r>
+              <a:rPr lang="en-US" dirty="0"/>
+              <a:t>The second parameter is an object derived from </a:t>
+            </a:r>
+            <a:r>
+              <a:rPr lang="en-US" dirty="0" err="1"/>
+              <a:t>EventArgs</a:t>
+            </a:r>
+            <a:r>
+              <a:rPr lang="en-US" dirty="0"/>
+              <a:t>.</a:t>
+            </a:r>
+            <a:endParaRPr lang="en-IN" dirty="0"/>
+          </a:p>
+          <a:p>
+            <a:endParaRPr lang="en-IN" dirty="0"/>
+          </a:p>
+        </p:txBody>
+      </p:sp>
+    </p:spTree>
+    <p:extLst>
+      <p:ext uri="{BB962C8B-B14F-4D97-AF65-F5344CB8AC3E}">
+        <p14:creationId xmlns:p14="http://schemas.microsoft.com/office/powerpoint/2010/main" val="818536655"/>
+      </p:ext>
+    </p:extLst>
+  </p:cSld>
+  <p:clrMapOvr>
+    <a:masterClrMapping/>
+  </p:clrMapOvr>
+</p:sld>
+</file>
+
+<file path=ppt/slides/slide12.xml><?xml version="1.0" encoding="utf-8"?>
+<p:sld xmlns:a="http://schemas.openxmlformats.org/drawingml/2006/main" xmlns:r="http://schemas.openxmlformats.org/officeDocument/2006/relationships" xmlns:p="http://schemas.openxmlformats.org/presentationml/2006/main">
+  <p:cSld>
+    <p:spTree>
+      <p:nvGrpSpPr>
+        <p:cNvPr id="1" name=""/>
+        <p:cNvGrpSpPr/>
+        <p:nvPr/>
+      </p:nvGrpSpPr>
+      <p:grpSpPr>
+        <a:xfrm>
+          <a:off x="0" y="0"/>
+          <a:ext cx="0" cy="0"/>
+          <a:chOff x="0" y="0"/>
+          <a:chExt cx="0" cy="0"/>
+        </a:xfrm>
+      </p:grpSpPr>
+      <p:sp>
+        <p:nvSpPr>
           <p:cNvPr id="3" name="Title 2"/>
           <p:cNvSpPr>
             <a:spLocks noGrp="1"/>
@@ -3875,7 +4003,7 @@
           <p:cNvPr id="2" name="Title 1">
             <a:extLst>
               <a:ext uri="{FF2B5EF4-FFF2-40B4-BE49-F238E27FC236}">
-                <a16:creationId xmlns:a16="http://schemas.microsoft.com/office/drawing/2014/main" xmlns="" id="{9170143F-C677-444B-80CA-21A7AB6AD737}"/>
+                <a16:creationId xmlns="" xmlns:a16="http://schemas.microsoft.com/office/drawing/2014/main" id="{9170143F-C677-444B-80CA-21A7AB6AD737}"/>
               </a:ext>
             </a:extLst>
           </p:cNvPr>
@@ -3906,7 +4034,7 @@
           <p:cNvPr id="5" name="TextBox 4">
             <a:extLst>
               <a:ext uri="{FF2B5EF4-FFF2-40B4-BE49-F238E27FC236}">
-                <a16:creationId xmlns:a16="http://schemas.microsoft.com/office/drawing/2014/main" xmlns="" id="{95F8BEE3-9508-4FA0-B8D8-5A727A97DF5D}"/>
+                <a16:creationId xmlns="" xmlns:a16="http://schemas.microsoft.com/office/drawing/2014/main" id="{95F8BEE3-9508-4FA0-B8D8-5A727A97DF5D}"/>
               </a:ext>
             </a:extLst>
           </p:cNvPr>
@@ -3944,7 +4072,7 @@
           <p:cNvPr id="6" name="Content Placeholder 5">
             <a:extLst>
               <a:ext uri="{FF2B5EF4-FFF2-40B4-BE49-F238E27FC236}">
-                <a16:creationId xmlns:a16="http://schemas.microsoft.com/office/drawing/2014/main" xmlns="" id="{912C6183-4375-455B-B1DA-8224D19657A5}"/>
+                <a16:creationId xmlns="" xmlns:a16="http://schemas.microsoft.com/office/drawing/2014/main" id="{912C6183-4375-455B-B1DA-8224D19657A5}"/>
               </a:ext>
             </a:extLst>
           </p:cNvPr>
@@ -3984,7 +4112,18 @@
             <a:pPr lvl="1"/>
             <a:r>
               <a:rPr lang="en-US" dirty="0" smtClean="0"/>
-              <a:t>Ref and Out parameter</a:t>
+              <a:t>Ref and Out </a:t>
+            </a:r>
+            <a:r>
+              <a:rPr lang="en-US" dirty="0" smtClean="0"/>
+              <a:t>parameter</a:t>
+            </a:r>
+          </a:p>
+          <a:p>
+            <a:pPr lvl="1"/>
+            <a:r>
+              <a:rPr lang="en-US" dirty="0" smtClean="0"/>
+              <a:t>Partial class</a:t>
             </a:r>
             <a:endParaRPr lang="en-US" dirty="0" smtClean="0"/>
           </a:p>
@@ -4117,11 +4256,7 @@
           <a:p>
             <a:r>
               <a:rPr lang="en-IN" dirty="0" smtClean="0"/>
-              <a:t>&amp; </a:t>
-            </a:r>
-            <a:r>
-              <a:rPr lang="en-IN" dirty="0" smtClean="0"/>
-              <a:t>Sample example</a:t>
+              <a:t>&amp; Sample example</a:t>
             </a:r>
           </a:p>
           <a:p>
@@ -5023,7 +5158,7 @@
           <a:p>
             <a:r>
               <a:rPr lang="en-IN" dirty="0" smtClean="0"/>
-              <a:t>Delegate</a:t>
+              <a:t>Partial Class</a:t>
             </a:r>
             <a:endParaRPr lang="en-IN" dirty="0"/>
           </a:p>
@@ -5041,63 +5176,69 @@
         </p:nvSpPr>
         <p:spPr/>
         <p:txBody>
-          <a:bodyPr>
-            <a:normAutofit/>
-          </a:bodyPr>
+          <a:bodyPr/>
           <a:lstStyle/>
           <a:p>
             <a:r>
               <a:rPr lang="en-US" dirty="0"/>
-              <a:t>What is a delegate</a:t>
-            </a:r>
-          </a:p>
-          <a:p>
-            <a:pPr lvl="1"/>
-            <a:r>
-              <a:rPr lang="en-US" dirty="0" smtClean="0"/>
-              <a:t>A </a:t>
-            </a:r>
-            <a:r>
-              <a:rPr lang="en-US" dirty="0"/>
-              <a:t>delegate is a type safe function pointer. That is, it holds a reference (Pointer) to a function.</a:t>
-            </a:r>
-          </a:p>
-          <a:p>
-            <a:pPr lvl="1"/>
-            <a:r>
-              <a:rPr lang="en-US" dirty="0" smtClean="0"/>
-              <a:t>The </a:t>
-            </a:r>
-            <a:r>
-              <a:rPr lang="en-US" dirty="0"/>
-              <a:t>signature of the delegate must match the signature of the function</a:t>
-            </a:r>
-            <a:r>
-              <a:rPr lang="en-US" dirty="0" smtClean="0"/>
-              <a:t>, the </a:t>
-            </a:r>
-            <a:r>
-              <a:rPr lang="en-US" dirty="0"/>
-              <a:t>delegate points to, otherwise you get a compiler error</a:t>
-            </a:r>
-            <a:r>
-              <a:rPr lang="en-US" dirty="0" smtClean="0"/>
-              <a:t>.</a:t>
-            </a:r>
-            <a:endParaRPr lang="en-US" dirty="0"/>
-          </a:p>
-          <a:p>
-            <a:pPr lvl="1"/>
-            <a:r>
-              <a:rPr lang="en-US" dirty="0" smtClean="0"/>
-              <a:t>A </a:t>
-            </a:r>
-            <a:r>
-              <a:rPr lang="en-US" dirty="0"/>
-              <a:t>Delegate is similar to a class. You can create an instance of it, and when you do so, you pass in the function name as a parameter to the delegate constructor, and it is to this function the delegate will point to.</a:t>
-            </a:r>
-          </a:p>
-          <a:p>
+              <a:t>A </a:t>
+            </a:r>
+            <a:r>
+              <a:rPr lang="en-US" b="1" dirty="0"/>
+              <a:t>partial class</a:t>
+            </a:r>
+            <a:r>
+              <a:rPr lang="en-US" dirty="0"/>
+              <a:t> is a special feature of </a:t>
+            </a:r>
+            <a:r>
+              <a:rPr lang="en-US" b="1" dirty="0"/>
+              <a:t>C#</a:t>
+            </a:r>
+            <a:r>
+              <a:rPr lang="en-US" dirty="0"/>
+              <a:t>. It provides a special ability to implement the functionality of a </a:t>
+            </a:r>
+            <a:r>
+              <a:rPr lang="en-US" dirty="0" smtClean="0"/>
+              <a:t>single </a:t>
+            </a:r>
+            <a:r>
+              <a:rPr lang="en-US" b="1" dirty="0" smtClean="0"/>
+              <a:t>class</a:t>
+            </a:r>
+            <a:r>
+              <a:rPr lang="en-US" dirty="0"/>
+              <a:t> into multiple files and all these files are combined into a single </a:t>
+            </a:r>
+            <a:r>
+              <a:rPr lang="en-US" b="1" dirty="0"/>
+              <a:t>class</a:t>
+            </a:r>
+            <a:r>
+              <a:rPr lang="en-US" dirty="0"/>
+              <a:t> file when the application is compiled. A </a:t>
+            </a:r>
+            <a:r>
+              <a:rPr lang="en-US" b="1" dirty="0"/>
+              <a:t>partial class</a:t>
+            </a:r>
+            <a:r>
+              <a:rPr lang="en-US" dirty="0"/>
+              <a:t> is created by using </a:t>
+            </a:r>
+            <a:r>
+              <a:rPr lang="en-US" dirty="0" smtClean="0"/>
+              <a:t>a </a:t>
+            </a:r>
+            <a:r>
+              <a:rPr lang="en-US" b="1" dirty="0" smtClean="0"/>
+              <a:t>partial</a:t>
+            </a:r>
+            <a:r>
+              <a:rPr lang="en-US" dirty="0"/>
+              <a:t> keyword.</a:t>
+            </a:r>
             <a:endParaRPr lang="en-IN" dirty="0"/>
           </a:p>
         </p:txBody>
@@ -5105,7 +5246,7 @@
     </p:spTree>
     <p:extLst>
       <p:ext uri="{BB962C8B-B14F-4D97-AF65-F5344CB8AC3E}">
-        <p14:creationId xmlns:p14="http://schemas.microsoft.com/office/powerpoint/2010/main" val="875329411"/>
+        <p14:creationId xmlns:p14="http://schemas.microsoft.com/office/powerpoint/2010/main" val="547639448"/>
       </p:ext>
     </p:extLst>
   </p:cSld>
@@ -5148,8 +5289,8 @@
           <a:lstStyle/>
           <a:p>
             <a:r>
-              <a:rPr lang="en-US" dirty="0"/>
-              <a:t>Multicast Delegates</a:t>
+              <a:rPr lang="en-IN" dirty="0" smtClean="0"/>
+              <a:t>Delegate</a:t>
             </a:r>
             <a:endParaRPr lang="en-IN" dirty="0"/>
           </a:p>
@@ -5168,60 +5309,59 @@
         <p:spPr/>
         <p:txBody>
           <a:bodyPr>
-            <a:normAutofit fontScale="77500" lnSpcReduction="20000"/>
+            <a:normAutofit/>
           </a:bodyPr>
           <a:lstStyle/>
           <a:p>
             <a:r>
+              <a:rPr lang="en-US" dirty="0"/>
+              <a:t>What is a delegate</a:t>
+            </a:r>
+          </a:p>
+          <a:p>
+            <a:pPr lvl="1"/>
+            <a:r>
               <a:rPr lang="en-US" dirty="0" smtClean="0"/>
               <a:t>A </a:t>
             </a:r>
             <a:r>
               <a:rPr lang="en-US" dirty="0"/>
-              <a:t>Multicast delegate is a delegate that has references to more than one function. When you invoke a multicast delegate, all the functions the delegate is pointing to, are invoked.</a:t>
-            </a:r>
-          </a:p>
-          <a:p>
+              <a:t>delegate is a type safe function pointer. That is, it holds a reference (Pointer) to a function.</a:t>
+            </a:r>
+          </a:p>
+          <a:p>
+            <a:pPr lvl="1"/>
+            <a:r>
+              <a:rPr lang="en-US" dirty="0" smtClean="0"/>
+              <a:t>The </a:t>
+            </a:r>
+            <a:r>
+              <a:rPr lang="en-US" dirty="0"/>
+              <a:t>signature of the delegate must match the signature of the function</a:t>
+            </a:r>
+            <a:r>
+              <a:rPr lang="en-US" dirty="0" smtClean="0"/>
+              <a:t>, the </a:t>
+            </a:r>
+            <a:r>
+              <a:rPr lang="en-US" dirty="0"/>
+              <a:t>delegate points to, otherwise you get a compiler error</a:t>
+            </a:r>
+            <a:r>
+              <a:rPr lang="en-US" dirty="0" smtClean="0"/>
+              <a:t>.</a:t>
+            </a:r>
             <a:endParaRPr lang="en-US" dirty="0"/>
           </a:p>
           <a:p>
-            <a:r>
-              <a:rPr lang="en-US" dirty="0"/>
-              <a:t>There are 2 approaches to create a multicast delegate. Depending on the approach you use</a:t>
-            </a:r>
-          </a:p>
-          <a:p>
-            <a:pPr lvl="2"/>
-            <a:r>
-              <a:rPr lang="en-US" dirty="0"/>
-              <a:t>+ or += to register a method with the delegate</a:t>
-            </a:r>
-          </a:p>
-          <a:p>
-            <a:pPr lvl="2"/>
-            <a:r>
-              <a:rPr lang="en-US" dirty="0"/>
-              <a:t>- or -= to un-register a method with the delegate</a:t>
-            </a:r>
-          </a:p>
-          <a:p>
+            <a:pPr lvl="1"/>
             <a:r>
               <a:rPr lang="en-US" dirty="0" smtClean="0"/>
               <a:t>A </a:t>
             </a:r>
             <a:r>
               <a:rPr lang="en-US" dirty="0"/>
-              <a:t>multicast delegate, invokes the methods in the invocation list, in the same order in which they are added.</a:t>
-            </a:r>
-          </a:p>
-          <a:p>
-            <a:r>
-              <a:rPr lang="en-US" dirty="0" smtClean="0"/>
-              <a:t>If </a:t>
-            </a:r>
-            <a:r>
-              <a:rPr lang="en-US" dirty="0"/>
-              <a:t>the delegate has a return type other than void and if the delegate is a multicast delegate, only the value of the last invoked method will be returned. Along the same lines, if the delegate has an out parameter, the value of the output parameter, will be the value assigned by the last method.</a:t>
+              <a:t>Delegate is similar to a class. You can create an instance of it, and when you do so, you pass in the function name as a parameter to the delegate constructor, and it is to this function the delegate will point to.</a:t>
             </a:r>
           </a:p>
           <a:p>
@@ -5232,7 +5372,7 @@
     </p:spTree>
     <p:extLst>
       <p:ext uri="{BB962C8B-B14F-4D97-AF65-F5344CB8AC3E}">
-        <p14:creationId xmlns:p14="http://schemas.microsoft.com/office/powerpoint/2010/main" val="2056468257"/>
+        <p14:creationId xmlns:p14="http://schemas.microsoft.com/office/powerpoint/2010/main" val="875329411"/>
       </p:ext>
     </p:extLst>
   </p:cSld>
@@ -6097,7 +6237,7 @@
   <a:extraClrSchemeLst/>
   <a:extLst>
     <a:ext uri="{05A4C25C-085E-4340-85A3-A5531E510DB2}">
-      <thm15:themeFamily xmlns:thm15="http://schemas.microsoft.com/office/thememl/2012/main" xmlns="" name="Office Theme" id="{62F939B6-93AF-4DB8-9C6B-D6C7DFDC589F}" vid="{4A3C46E8-61CC-4603-A589-7422A47A8E4A}"/>
+      <thm15:themeFamily xmlns="" xmlns:thm15="http://schemas.microsoft.com/office/thememl/2012/main" name="Office Theme" id="{62F939B6-93AF-4DB8-9C6B-D6C7DFDC589F}" vid="{4A3C46E8-61CC-4603-A589-7422A47A8E4A}"/>
     </a:ext>
   </a:extLst>
 </a:theme>

--- a/Documents/Presentation-Day5.pptx
+++ b/Documents/Presentation-Day5.pptx
@@ -5,10 +5,10 @@
     <p:sldMasterId id="2147483648" r:id="rId1"/>
   </p:sldMasterIdLst>
   <p:notesMasterIdLst>
-    <p:notesMasterId r:id="rId14"/>
+    <p:notesMasterId r:id="rId12"/>
   </p:notesMasterIdLst>
   <p:handoutMasterIdLst>
-    <p:handoutMasterId r:id="rId15"/>
+    <p:handoutMasterId r:id="rId13"/>
   </p:handoutMasterIdLst>
   <p:sldIdLst>
     <p:sldId id="267" r:id="rId2"/>
@@ -18,11 +18,9 @@
     <p:sldId id="335" r:id="rId6"/>
     <p:sldId id="338" r:id="rId7"/>
     <p:sldId id="341" r:id="rId8"/>
-    <p:sldId id="343" r:id="rId9"/>
-    <p:sldId id="339" r:id="rId10"/>
-    <p:sldId id="340" r:id="rId11"/>
-    <p:sldId id="342" r:id="rId12"/>
-    <p:sldId id="325" r:id="rId13"/>
+    <p:sldId id="344" r:id="rId9"/>
+    <p:sldId id="343" r:id="rId10"/>
+    <p:sldId id="325" r:id="rId11"/>
   </p:sldIdLst>
   <p:sldSz cx="10972800" cy="7315200"/>
   <p:notesSz cx="6858000" cy="9144000"/>
@@ -123,7 +121,7 @@
   </p:defaultTextStyle>
   <p:extLst>
     <p:ext uri="{EFAFB233-063F-42B5-8137-9DF3F51BA10A}">
-      <p15:sldGuideLst xmlns="" xmlns:p15="http://schemas.microsoft.com/office/powerpoint/2012/main">
+      <p15:sldGuideLst xmlns:p15="http://schemas.microsoft.com/office/powerpoint/2012/main" xmlns="">
         <p15:guide id="1" orient="horz" pos="2304">
           <p15:clr>
             <a:srgbClr val="A4A3A4"/>
@@ -167,7 +165,7 @@
           <p:cNvPr id="2" name="Header Placeholder 1">
             <a:extLst>
               <a:ext uri="{FF2B5EF4-FFF2-40B4-BE49-F238E27FC236}">
-                <a16:creationId xmlns="" xmlns:a16="http://schemas.microsoft.com/office/drawing/2014/main" id="{7525DA16-A662-4B40-A7D1-84738FA7B200}"/>
+                <a16:creationId xmlns:a16="http://schemas.microsoft.com/office/drawing/2014/main" xmlns="" id="{7525DA16-A662-4B40-A7D1-84738FA7B200}"/>
               </a:ext>
             </a:extLst>
           </p:cNvPr>
@@ -204,7 +202,7 @@
           <p:cNvPr id="3" name="Date Placeholder 2">
             <a:extLst>
               <a:ext uri="{FF2B5EF4-FFF2-40B4-BE49-F238E27FC236}">
-                <a16:creationId xmlns="" xmlns:a16="http://schemas.microsoft.com/office/drawing/2014/main" id="{51CDE38F-397B-459E-94C9-AA9DB2352978}"/>
+                <a16:creationId xmlns:a16="http://schemas.microsoft.com/office/drawing/2014/main" xmlns="" id="{51CDE38F-397B-459E-94C9-AA9DB2352978}"/>
               </a:ext>
             </a:extLst>
           </p:cNvPr>
@@ -234,7 +232,7 @@
           <a:p>
             <a:fld id="{30ABF2E1-EF55-48DA-844B-6722C497CAF4}" type="datetimeFigureOut">
               <a:rPr lang="en-IN" smtClean="0"/>
-              <a:t>15-07-2019</a:t>
+              <a:t>16-07-2019</a:t>
             </a:fld>
             <a:endParaRPr lang="en-IN"/>
           </a:p>
@@ -245,7 +243,7 @@
           <p:cNvPr id="4" name="Footer Placeholder 3">
             <a:extLst>
               <a:ext uri="{FF2B5EF4-FFF2-40B4-BE49-F238E27FC236}">
-                <a16:creationId xmlns="" xmlns:a16="http://schemas.microsoft.com/office/drawing/2014/main" id="{18997E4A-415D-4D1B-8A8F-C2352EB28892}"/>
+                <a16:creationId xmlns:a16="http://schemas.microsoft.com/office/drawing/2014/main" xmlns="" id="{18997E4A-415D-4D1B-8A8F-C2352EB28892}"/>
               </a:ext>
             </a:extLst>
           </p:cNvPr>
@@ -282,7 +280,7 @@
           <p:cNvPr id="5" name="Slide Number Placeholder 4">
             <a:extLst>
               <a:ext uri="{FF2B5EF4-FFF2-40B4-BE49-F238E27FC236}">
-                <a16:creationId xmlns="" xmlns:a16="http://schemas.microsoft.com/office/drawing/2014/main" id="{D9FC56FB-CE1D-4B6F-BBDA-0910B2B2939A}"/>
+                <a16:creationId xmlns:a16="http://schemas.microsoft.com/office/drawing/2014/main" xmlns="" id="{D9FC56FB-CE1D-4B6F-BBDA-0910B2B2939A}"/>
               </a:ext>
             </a:extLst>
           </p:cNvPr>
@@ -413,7 +411,7 @@
             <a:fld id="{320D935E-986D-42B9-84A5-B0949C969892}" type="datetimeFigureOut">
               <a:rPr lang="en-US" smtClean="0"/>
               <a:pPr/>
-              <a:t>7/15/2019</a:t>
+              <a:t>7/16/2019</a:t>
             </a:fld>
             <a:endParaRPr lang="en-US"/>
           </a:p>
@@ -3654,305 +3652,6 @@
       </p:grpSpPr>
       <p:sp>
         <p:nvSpPr>
-          <p:cNvPr id="2" name="Title 1"/>
-          <p:cNvSpPr>
-            <a:spLocks noGrp="1"/>
-          </p:cNvSpPr>
-          <p:nvPr>
-            <p:ph type="title"/>
-          </p:nvPr>
-        </p:nvSpPr>
-        <p:spPr/>
-        <p:txBody>
-          <a:bodyPr/>
-          <a:lstStyle/>
-          <a:p>
-            <a:r>
-              <a:rPr lang="en-US" dirty="0"/>
-              <a:t>Multicast Delegates</a:t>
-            </a:r>
-            <a:endParaRPr lang="en-IN" dirty="0"/>
-          </a:p>
-        </p:txBody>
-      </p:sp>
-      <p:sp>
-        <p:nvSpPr>
-          <p:cNvPr id="3" name="Content Placeholder 2"/>
-          <p:cNvSpPr>
-            <a:spLocks noGrp="1"/>
-          </p:cNvSpPr>
-          <p:nvPr>
-            <p:ph idx="1"/>
-          </p:nvPr>
-        </p:nvSpPr>
-        <p:spPr/>
-        <p:txBody>
-          <a:bodyPr>
-            <a:normAutofit fontScale="77500" lnSpcReduction="20000"/>
-          </a:bodyPr>
-          <a:lstStyle/>
-          <a:p>
-            <a:r>
-              <a:rPr lang="en-US" dirty="0" smtClean="0"/>
-              <a:t>A </a:t>
-            </a:r>
-            <a:r>
-              <a:rPr lang="en-US" dirty="0"/>
-              <a:t>Multicast delegate is a delegate that has references to more than one function. When you invoke a multicast delegate, all the functions the delegate is pointing to, are invoked.</a:t>
-            </a:r>
-          </a:p>
-          <a:p>
-            <a:endParaRPr lang="en-US" dirty="0"/>
-          </a:p>
-          <a:p>
-            <a:r>
-              <a:rPr lang="en-US" dirty="0"/>
-              <a:t>There are 2 approaches to create a multicast delegate. Depending on the approach you use</a:t>
-            </a:r>
-          </a:p>
-          <a:p>
-            <a:pPr lvl="2"/>
-            <a:r>
-              <a:rPr lang="en-US" dirty="0"/>
-              <a:t>+ or += to register a method with the delegate</a:t>
-            </a:r>
-          </a:p>
-          <a:p>
-            <a:pPr lvl="2"/>
-            <a:r>
-              <a:rPr lang="en-US" dirty="0"/>
-              <a:t>- or -= to un-register a method with the delegate</a:t>
-            </a:r>
-          </a:p>
-          <a:p>
-            <a:r>
-              <a:rPr lang="en-US" dirty="0" smtClean="0"/>
-              <a:t>A </a:t>
-            </a:r>
-            <a:r>
-              <a:rPr lang="en-US" dirty="0"/>
-              <a:t>multicast delegate, invokes the methods in the invocation list, in the same order in which they are added.</a:t>
-            </a:r>
-          </a:p>
-          <a:p>
-            <a:r>
-              <a:rPr lang="en-US" dirty="0" smtClean="0"/>
-              <a:t>If </a:t>
-            </a:r>
-            <a:r>
-              <a:rPr lang="en-US" dirty="0"/>
-              <a:t>the delegate has a return type other than void and if the delegate is a multicast delegate, only the value of the last invoked method will be returned. Along the same lines, if the delegate has an out parameter, the value of the output parameter, will be the value assigned by the last method.</a:t>
-            </a:r>
-          </a:p>
-          <a:p>
-            <a:endParaRPr lang="en-IN" dirty="0"/>
-          </a:p>
-        </p:txBody>
-      </p:sp>
-    </p:spTree>
-    <p:extLst>
-      <p:ext uri="{BB962C8B-B14F-4D97-AF65-F5344CB8AC3E}">
-        <p14:creationId xmlns:p14="http://schemas.microsoft.com/office/powerpoint/2010/main" val="2056468257"/>
-      </p:ext>
-    </p:extLst>
-  </p:cSld>
-  <p:clrMapOvr>
-    <a:masterClrMapping/>
-  </p:clrMapOvr>
-</p:sld>
-</file>
-
-<file path=ppt/slides/slide11.xml><?xml version="1.0" encoding="utf-8"?>
-<p:sld xmlns:a="http://schemas.openxmlformats.org/drawingml/2006/main" xmlns:r="http://schemas.openxmlformats.org/officeDocument/2006/relationships" xmlns:p="http://schemas.openxmlformats.org/presentationml/2006/main">
-  <p:cSld>
-    <p:spTree>
-      <p:nvGrpSpPr>
-        <p:cNvPr id="1" name=""/>
-        <p:cNvGrpSpPr/>
-        <p:nvPr/>
-      </p:nvGrpSpPr>
-      <p:grpSpPr>
-        <a:xfrm>
-          <a:off x="0" y="0"/>
-          <a:ext cx="0" cy="0"/>
-          <a:chOff x="0" y="0"/>
-          <a:chExt cx="0" cy="0"/>
-        </a:xfrm>
-      </p:grpSpPr>
-      <p:sp>
-        <p:nvSpPr>
-          <p:cNvPr id="2" name="Title 1"/>
-          <p:cNvSpPr>
-            <a:spLocks noGrp="1"/>
-          </p:cNvSpPr>
-          <p:nvPr>
-            <p:ph type="title"/>
-          </p:nvPr>
-        </p:nvSpPr>
-        <p:spPr/>
-        <p:txBody>
-          <a:bodyPr/>
-          <a:lstStyle/>
-          <a:p>
-            <a:r>
-              <a:rPr lang="en-IN" dirty="0" smtClean="0"/>
-              <a:t>Event</a:t>
-            </a:r>
-            <a:endParaRPr lang="en-IN" dirty="0"/>
-          </a:p>
-        </p:txBody>
-      </p:sp>
-      <p:sp>
-        <p:nvSpPr>
-          <p:cNvPr id="5" name="Content Placeholder 4"/>
-          <p:cNvSpPr>
-            <a:spLocks noGrp="1"/>
-          </p:cNvSpPr>
-          <p:nvPr>
-            <p:ph idx="1"/>
-          </p:nvPr>
-        </p:nvSpPr>
-        <p:spPr/>
-        <p:txBody>
-          <a:bodyPr/>
-          <a:lstStyle/>
-          <a:p>
-            <a:pPr lvl="0"/>
-            <a:r>
-              <a:rPr lang="en-US" dirty="0"/>
-              <a:t>A</a:t>
-            </a:r>
-            <a:r>
-              <a:rPr lang="en-US" dirty="0" smtClean="0"/>
-              <a:t>ny </a:t>
-            </a:r>
-            <a:r>
-              <a:rPr lang="en-US" dirty="0"/>
-              <a:t>object can </a:t>
-            </a:r>
-            <a:r>
-              <a:rPr lang="en-US" i="1" dirty="0"/>
-              <a:t>publish</a:t>
-            </a:r>
-            <a:r>
-              <a:rPr lang="en-US" dirty="0"/>
-              <a:t> a set of events to which other </a:t>
-            </a:r>
-            <a:r>
-              <a:rPr lang="en-US" dirty="0" smtClean="0"/>
-              <a:t>object can</a:t>
-            </a:r>
-            <a:r>
-              <a:rPr lang="en-US" dirty="0"/>
-              <a:t> </a:t>
-            </a:r>
-            <a:r>
-              <a:rPr lang="en-US" i="1" dirty="0"/>
-              <a:t>subscribe</a:t>
-            </a:r>
-            <a:r>
-              <a:rPr lang="en-US" dirty="0"/>
-              <a:t>. When the publishing class raises an event, all the subscribed </a:t>
-            </a:r>
-            <a:r>
-              <a:rPr lang="en-US" dirty="0" smtClean="0"/>
-              <a:t>object are </a:t>
-            </a:r>
-            <a:r>
-              <a:rPr lang="en-US" dirty="0"/>
-              <a:t>notified.</a:t>
-            </a:r>
-            <a:endParaRPr lang="en-US" dirty="0" smtClean="0"/>
-          </a:p>
-          <a:p>
-            <a:pPr lvl="0"/>
-            <a:r>
-              <a:rPr lang="en-US" dirty="0" smtClean="0"/>
-              <a:t>Event </a:t>
-            </a:r>
-            <a:r>
-              <a:rPr lang="en-US" dirty="0"/>
-              <a:t>Handlers </a:t>
-            </a:r>
-            <a:r>
-              <a:rPr lang="en-US" dirty="0" smtClean="0"/>
-              <a:t>return </a:t>
-            </a:r>
-            <a:r>
-              <a:rPr lang="en-US" dirty="0"/>
-              <a:t>void and take two parameters.</a:t>
-            </a:r>
-            <a:endParaRPr lang="en-IN" dirty="0"/>
-          </a:p>
-          <a:p>
-            <a:pPr lvl="0"/>
-            <a:r>
-              <a:rPr lang="en-US" dirty="0"/>
-              <a:t>The first </a:t>
-            </a:r>
-            <a:r>
-              <a:rPr lang="en-US" dirty="0" smtClean="0"/>
-              <a:t>parameter </a:t>
-            </a:r>
-            <a:r>
-              <a:rPr lang="en-US" dirty="0"/>
-              <a:t>is the source of the event; that is the publishing object.</a:t>
-            </a:r>
-            <a:endParaRPr lang="en-IN" dirty="0"/>
-          </a:p>
-          <a:p>
-            <a:pPr lvl="0"/>
-            <a:r>
-              <a:rPr lang="en-US" dirty="0"/>
-              <a:t>The second parameter is an object derived from </a:t>
-            </a:r>
-            <a:r>
-              <a:rPr lang="en-US" dirty="0" err="1"/>
-              <a:t>EventArgs</a:t>
-            </a:r>
-            <a:r>
-              <a:rPr lang="en-US" dirty="0"/>
-              <a:t>.</a:t>
-            </a:r>
-            <a:endParaRPr lang="en-IN" dirty="0"/>
-          </a:p>
-          <a:p>
-            <a:endParaRPr lang="en-IN" dirty="0"/>
-          </a:p>
-        </p:txBody>
-      </p:sp>
-    </p:spTree>
-    <p:extLst>
-      <p:ext uri="{BB962C8B-B14F-4D97-AF65-F5344CB8AC3E}">
-        <p14:creationId xmlns:p14="http://schemas.microsoft.com/office/powerpoint/2010/main" val="818536655"/>
-      </p:ext>
-    </p:extLst>
-  </p:cSld>
-  <p:clrMapOvr>
-    <a:masterClrMapping/>
-  </p:clrMapOvr>
-</p:sld>
-</file>
-
-<file path=ppt/slides/slide12.xml><?xml version="1.0" encoding="utf-8"?>
-<p:sld xmlns:a="http://schemas.openxmlformats.org/drawingml/2006/main" xmlns:r="http://schemas.openxmlformats.org/officeDocument/2006/relationships" xmlns:p="http://schemas.openxmlformats.org/presentationml/2006/main">
-  <p:cSld>
-    <p:spTree>
-      <p:nvGrpSpPr>
-        <p:cNvPr id="1" name=""/>
-        <p:cNvGrpSpPr/>
-        <p:nvPr/>
-      </p:nvGrpSpPr>
-      <p:grpSpPr>
-        <a:xfrm>
-          <a:off x="0" y="0"/>
-          <a:ext cx="0" cy="0"/>
-          <a:chOff x="0" y="0"/>
-          <a:chExt cx="0" cy="0"/>
-        </a:xfrm>
-      </p:grpSpPr>
-      <p:sp>
-        <p:nvSpPr>
           <p:cNvPr id="3" name="Title 2"/>
           <p:cNvSpPr>
             <a:spLocks noGrp="1"/>
@@ -4003,7 +3702,7 @@
           <p:cNvPr id="2" name="Title 1">
             <a:extLst>
               <a:ext uri="{FF2B5EF4-FFF2-40B4-BE49-F238E27FC236}">
-                <a16:creationId xmlns="" xmlns:a16="http://schemas.microsoft.com/office/drawing/2014/main" id="{9170143F-C677-444B-80CA-21A7AB6AD737}"/>
+                <a16:creationId xmlns:a16="http://schemas.microsoft.com/office/drawing/2014/main" xmlns="" id="{9170143F-C677-444B-80CA-21A7AB6AD737}"/>
               </a:ext>
             </a:extLst>
           </p:cNvPr>
@@ -4034,7 +3733,7 @@
           <p:cNvPr id="5" name="TextBox 4">
             <a:extLst>
               <a:ext uri="{FF2B5EF4-FFF2-40B4-BE49-F238E27FC236}">
-                <a16:creationId xmlns="" xmlns:a16="http://schemas.microsoft.com/office/drawing/2014/main" id="{95F8BEE3-9508-4FA0-B8D8-5A727A97DF5D}"/>
+                <a16:creationId xmlns:a16="http://schemas.microsoft.com/office/drawing/2014/main" xmlns="" id="{95F8BEE3-9508-4FA0-B8D8-5A727A97DF5D}"/>
               </a:ext>
             </a:extLst>
           </p:cNvPr>
@@ -4072,7 +3771,7 @@
           <p:cNvPr id="6" name="Content Placeholder 5">
             <a:extLst>
               <a:ext uri="{FF2B5EF4-FFF2-40B4-BE49-F238E27FC236}">
-                <a16:creationId xmlns="" xmlns:a16="http://schemas.microsoft.com/office/drawing/2014/main" id="{912C6183-4375-455B-B1DA-8224D19657A5}"/>
+                <a16:creationId xmlns:a16="http://schemas.microsoft.com/office/drawing/2014/main" xmlns="" id="{912C6183-4375-455B-B1DA-8224D19657A5}"/>
               </a:ext>
             </a:extLst>
           </p:cNvPr>
@@ -4111,35 +3810,57 @@
           <a:p>
             <a:pPr lvl="1"/>
             <a:r>
-              <a:rPr lang="en-US" dirty="0" smtClean="0"/>
-              <a:t>Ref and Out </a:t>
-            </a:r>
-            <a:r>
-              <a:rPr lang="en-US" dirty="0" smtClean="0"/>
-              <a:t>parameter</a:t>
-            </a:r>
+              <a:rPr lang="en-IN" dirty="0" err="1" smtClean="0"/>
+              <a:t>readonly</a:t>
+            </a:r>
+            <a:r>
+              <a:rPr lang="en-IN" dirty="0" smtClean="0"/>
+              <a:t> </a:t>
+            </a:r>
+            <a:r>
+              <a:rPr lang="en-US" dirty="0" smtClean="0"/>
+              <a:t>&amp; </a:t>
+            </a:r>
+            <a:r>
+              <a:rPr lang="en-IN" dirty="0" err="1"/>
+              <a:t>const</a:t>
+            </a:r>
+            <a:r>
+              <a:rPr lang="en-IN" dirty="0"/>
+              <a:t> </a:t>
+            </a:r>
+            <a:r>
+              <a:rPr lang="en-IN" dirty="0" smtClean="0"/>
+              <a:t>keyword</a:t>
+            </a:r>
+            <a:endParaRPr lang="en-US" dirty="0" smtClean="0"/>
           </a:p>
           <a:p>
             <a:pPr lvl="1"/>
             <a:r>
               <a:rPr lang="en-US" dirty="0" smtClean="0"/>
-              <a:t>Partial class</a:t>
+              <a:t>Ref </a:t>
+            </a:r>
+            <a:r>
+              <a:rPr lang="en-US" dirty="0" smtClean="0"/>
+              <a:t>&amp; </a:t>
+            </a:r>
+            <a:r>
+              <a:rPr lang="en-US" dirty="0" smtClean="0"/>
+              <a:t>Out parameter</a:t>
+            </a:r>
+          </a:p>
+          <a:p>
+            <a:pPr lvl="1"/>
+            <a:r>
+              <a:rPr lang="en-US" dirty="0" smtClean="0"/>
+              <a:t>Partial </a:t>
+            </a:r>
+            <a:r>
+              <a:rPr lang="en-US" dirty="0" smtClean="0"/>
+              <a:t>class</a:t>
             </a:r>
             <a:endParaRPr lang="en-US" dirty="0" smtClean="0"/>
-          </a:p>
-          <a:p>
-            <a:pPr lvl="1"/>
-            <a:r>
-              <a:rPr lang="en-US" dirty="0" smtClean="0"/>
-              <a:t>Delegate</a:t>
-            </a:r>
-          </a:p>
-          <a:p>
-            <a:pPr lvl="1"/>
-            <a:r>
-              <a:rPr lang="en-US" dirty="0" smtClean="0"/>
-              <a:t>Event</a:t>
-            </a:r>
           </a:p>
         </p:txBody>
       </p:sp>
@@ -5157,96 +4878,134 @@
           <a:lstStyle/>
           <a:p>
             <a:r>
-              <a:rPr lang="en-IN" dirty="0" smtClean="0"/>
-              <a:t>Partial Class</a:t>
+              <a:rPr lang="en-IN" dirty="0" err="1"/>
+              <a:t>readonly</a:t>
+            </a:r>
+            <a:r>
+              <a:rPr lang="en-IN" dirty="0"/>
+              <a:t> &amp; </a:t>
+            </a:r>
+            <a:r>
+              <a:rPr lang="en-IN" dirty="0" err="1"/>
+              <a:t>const</a:t>
+            </a:r>
+            <a:r>
+              <a:rPr lang="en-IN" dirty="0"/>
+              <a:t> keyword</a:t>
+            </a:r>
+          </a:p>
+        </p:txBody>
+      </p:sp>
+      <p:sp>
+        <p:nvSpPr>
+          <p:cNvPr id="3" name="Content Placeholder 2"/>
+          <p:cNvSpPr>
+            <a:spLocks noGrp="1"/>
+          </p:cNvSpPr>
+          <p:nvPr>
+            <p:ph idx="1"/>
+          </p:nvPr>
+        </p:nvSpPr>
+        <p:spPr/>
+        <p:txBody>
+          <a:bodyPr>
+            <a:normAutofit lnSpcReduction="10000"/>
+          </a:bodyPr>
+          <a:lstStyle/>
+          <a:p>
+            <a:r>
+              <a:rPr lang="en-US" b="1" i="1" dirty="0" err="1"/>
+              <a:t>readonly</a:t>
+            </a:r>
+            <a:r>
+              <a:rPr lang="en-US" b="1" i="1" dirty="0"/>
+              <a:t> </a:t>
+            </a:r>
+            <a:r>
+              <a:rPr lang="en-US" dirty="0"/>
+              <a:t>keyword to declare a </a:t>
+            </a:r>
+            <a:r>
+              <a:rPr lang="en-US" dirty="0" err="1"/>
+              <a:t>readonly</a:t>
+            </a:r>
+            <a:r>
+              <a:rPr lang="en-US" dirty="0"/>
+              <a:t> variable. This </a:t>
+            </a:r>
+            <a:r>
+              <a:rPr lang="en-US" dirty="0" err="1"/>
+              <a:t>readonly</a:t>
+            </a:r>
+            <a:r>
+              <a:rPr lang="en-US" dirty="0"/>
+              <a:t> keyword shows that you can assign the variable only when you declare a variable or in a constructor of the same class in which it is declared.</a:t>
             </a:r>
             <a:endParaRPr lang="en-IN" dirty="0"/>
           </a:p>
-        </p:txBody>
-      </p:sp>
-      <p:sp>
-        <p:nvSpPr>
-          <p:cNvPr id="3" name="Content Placeholder 2"/>
-          <p:cNvSpPr>
-            <a:spLocks noGrp="1"/>
-          </p:cNvSpPr>
-          <p:nvPr>
-            <p:ph idx="1"/>
-          </p:nvPr>
-        </p:nvSpPr>
-        <p:spPr/>
-        <p:txBody>
-          <a:bodyPr/>
-          <a:lstStyle/>
-          <a:p>
-            <a:r>
-              <a:rPr lang="en-US" dirty="0"/>
-              <a:t>A </a:t>
+          <a:p>
+            <a:endParaRPr lang="en-US" b="1" dirty="0" smtClean="0"/>
+          </a:p>
+          <a:p>
+            <a:r>
+              <a:rPr lang="en-US" b="1" dirty="0" err="1" smtClean="0"/>
+              <a:t>const</a:t>
+            </a:r>
+            <a:r>
+              <a:rPr lang="en-US" dirty="0"/>
+              <a:t> keyword is used to declare </a:t>
+            </a:r>
+            <a:r>
+              <a:rPr lang="en-US" b="1" dirty="0" smtClean="0"/>
+              <a:t>constant </a:t>
+            </a:r>
+            <a:r>
+              <a:rPr lang="en-US" dirty="0" smtClean="0"/>
+              <a:t>fields </a:t>
+            </a:r>
+            <a:r>
+              <a:rPr lang="en-US" dirty="0"/>
+              <a:t>and </a:t>
             </a:r>
             <a:r>
               <a:rPr lang="en-US" b="1" dirty="0"/>
-              <a:t>partial class</a:t>
-            </a:r>
-            <a:r>
-              <a:rPr lang="en-US" dirty="0"/>
-              <a:t> is a special feature of </a:t>
+              <a:t>constant</a:t>
+            </a:r>
+            <a:r>
+              <a:rPr lang="en-US" dirty="0"/>
+              <a:t> local. The value of the </a:t>
+            </a:r>
+            <a:r>
+              <a:rPr lang="en-US" b="1" dirty="0" smtClean="0"/>
+              <a:t>constant </a:t>
+            </a:r>
+            <a:r>
+              <a:rPr lang="en-US" dirty="0" smtClean="0"/>
+              <a:t>field </a:t>
+            </a:r>
+            <a:r>
+              <a:rPr lang="en-US" dirty="0"/>
+              <a:t>is the same throughout the program or in other words, once the </a:t>
             </a:r>
             <a:r>
               <a:rPr lang="en-US" b="1" dirty="0"/>
-              <a:t>C#</a:t>
-            </a:r>
-            <a:r>
-              <a:rPr lang="en-US" dirty="0"/>
-              <a:t>. It provides a special ability to implement the functionality of a </a:t>
-            </a:r>
-            <a:r>
-              <a:rPr lang="en-US" dirty="0" smtClean="0"/>
-              <a:t>single </a:t>
-            </a:r>
-            <a:r>
-              <a:rPr lang="en-US" b="1" dirty="0" smtClean="0"/>
-              <a:t>class</a:t>
-            </a:r>
-            <a:r>
-              <a:rPr lang="en-US" dirty="0"/>
-              <a:t> into multiple files and all these files are combined into a single </a:t>
-            </a:r>
-            <a:r>
-              <a:rPr lang="en-US" b="1" dirty="0"/>
-              <a:t>class</a:t>
-            </a:r>
-            <a:r>
-              <a:rPr lang="en-US" dirty="0"/>
-              <a:t> file when the application is compiled. A </a:t>
-            </a:r>
-            <a:r>
-              <a:rPr lang="en-US" b="1" dirty="0"/>
-              <a:t>partial class</a:t>
-            </a:r>
-            <a:r>
-              <a:rPr lang="en-US" dirty="0"/>
-              <a:t> is created by using </a:t>
-            </a:r>
-            <a:r>
-              <a:rPr lang="en-US" dirty="0" smtClean="0"/>
-              <a:t>a </a:t>
-            </a:r>
-            <a:r>
-              <a:rPr lang="en-US" b="1" dirty="0" smtClean="0"/>
-              <a:t>partial</a:t>
-            </a:r>
-            <a:r>
-              <a:rPr lang="en-US" dirty="0"/>
-              <a:t> keyword.</a:t>
-            </a:r>
-            <a:endParaRPr lang="en-IN" dirty="0"/>
+              <a:t>constant</a:t>
+            </a:r>
+            <a:r>
+              <a:rPr lang="en-US" dirty="0"/>
+              <a:t> field is assigned the value of this field is not be </a:t>
+            </a:r>
+            <a:r>
+              <a:rPr lang="en-US" dirty="0" smtClean="0"/>
+              <a:t>changed</a:t>
+            </a:r>
           </a:p>
         </p:txBody>
       </p:sp>
     </p:spTree>
     <p:extLst>
       <p:ext uri="{BB962C8B-B14F-4D97-AF65-F5344CB8AC3E}">
-        <p14:creationId xmlns:p14="http://schemas.microsoft.com/office/powerpoint/2010/main" val="547639448"/>
+        <p14:creationId xmlns:p14="http://schemas.microsoft.com/office/powerpoint/2010/main" val="2055132076"/>
       </p:ext>
     </p:extLst>
   </p:cSld>
@@ -5290,7 +5049,7 @@
           <a:p>
             <a:r>
               <a:rPr lang="en-IN" dirty="0" smtClean="0"/>
-              <a:t>Delegate</a:t>
+              <a:t>Partial Class</a:t>
             </a:r>
             <a:endParaRPr lang="en-IN" dirty="0"/>
           </a:p>
@@ -5308,63 +5067,69 @@
         </p:nvSpPr>
         <p:spPr/>
         <p:txBody>
-          <a:bodyPr>
-            <a:normAutofit/>
-          </a:bodyPr>
+          <a:bodyPr/>
           <a:lstStyle/>
           <a:p>
             <a:r>
               <a:rPr lang="en-US" dirty="0"/>
-              <a:t>What is a delegate</a:t>
-            </a:r>
-          </a:p>
-          <a:p>
-            <a:pPr lvl="1"/>
-            <a:r>
-              <a:rPr lang="en-US" dirty="0" smtClean="0"/>
-              <a:t>A </a:t>
-            </a:r>
-            <a:r>
-              <a:rPr lang="en-US" dirty="0"/>
-              <a:t>delegate is a type safe function pointer. That is, it holds a reference (Pointer) to a function.</a:t>
-            </a:r>
-          </a:p>
-          <a:p>
-            <a:pPr lvl="1"/>
-            <a:r>
-              <a:rPr lang="en-US" dirty="0" smtClean="0"/>
-              <a:t>The </a:t>
-            </a:r>
-            <a:r>
-              <a:rPr lang="en-US" dirty="0"/>
-              <a:t>signature of the delegate must match the signature of the function</a:t>
-            </a:r>
-            <a:r>
-              <a:rPr lang="en-US" dirty="0" smtClean="0"/>
-              <a:t>, the </a:t>
-            </a:r>
-            <a:r>
-              <a:rPr lang="en-US" dirty="0"/>
-              <a:t>delegate points to, otherwise you get a compiler error</a:t>
-            </a:r>
-            <a:r>
-              <a:rPr lang="en-US" dirty="0" smtClean="0"/>
-              <a:t>.</a:t>
-            </a:r>
-            <a:endParaRPr lang="en-US" dirty="0"/>
-          </a:p>
-          <a:p>
-            <a:pPr lvl="1"/>
-            <a:r>
-              <a:rPr lang="en-US" dirty="0" smtClean="0"/>
-              <a:t>A </a:t>
-            </a:r>
-            <a:r>
-              <a:rPr lang="en-US" dirty="0"/>
-              <a:t>Delegate is similar to a class. You can create an instance of it, and when you do so, you pass in the function name as a parameter to the delegate constructor, and it is to this function the delegate will point to.</a:t>
-            </a:r>
-          </a:p>
-          <a:p>
+              <a:t>A </a:t>
+            </a:r>
+            <a:r>
+              <a:rPr lang="en-US" b="1" dirty="0"/>
+              <a:t>partial class</a:t>
+            </a:r>
+            <a:r>
+              <a:rPr lang="en-US" dirty="0"/>
+              <a:t> is a special feature of </a:t>
+            </a:r>
+            <a:r>
+              <a:rPr lang="en-US" b="1" dirty="0"/>
+              <a:t>C#</a:t>
+            </a:r>
+            <a:r>
+              <a:rPr lang="en-US" dirty="0"/>
+              <a:t>. It provides a special ability to implement the functionality of a </a:t>
+            </a:r>
+            <a:r>
+              <a:rPr lang="en-US" dirty="0" smtClean="0"/>
+              <a:t>single </a:t>
+            </a:r>
+            <a:r>
+              <a:rPr lang="en-US" b="1" dirty="0" smtClean="0"/>
+              <a:t>class</a:t>
+            </a:r>
+            <a:r>
+              <a:rPr lang="en-US" dirty="0"/>
+              <a:t> into multiple files and all these files are combined into a single </a:t>
+            </a:r>
+            <a:r>
+              <a:rPr lang="en-US" b="1" dirty="0"/>
+              <a:t>class</a:t>
+            </a:r>
+            <a:r>
+              <a:rPr lang="en-US" dirty="0"/>
+              <a:t> file when the application is compiled. A </a:t>
+            </a:r>
+            <a:r>
+              <a:rPr lang="en-US" b="1" dirty="0"/>
+              <a:t>partial class</a:t>
+            </a:r>
+            <a:r>
+              <a:rPr lang="en-US" dirty="0"/>
+              <a:t> is created by using </a:t>
+            </a:r>
+            <a:r>
+              <a:rPr lang="en-US" dirty="0" smtClean="0"/>
+              <a:t>a </a:t>
+            </a:r>
+            <a:r>
+              <a:rPr lang="en-US" b="1" dirty="0" smtClean="0"/>
+              <a:t>partial</a:t>
+            </a:r>
+            <a:r>
+              <a:rPr lang="en-US" dirty="0"/>
+              <a:t> keyword.</a:t>
+            </a:r>
             <a:endParaRPr lang="en-IN" dirty="0"/>
           </a:p>
         </p:txBody>
@@ -5372,7 +5137,7 @@
     </p:spTree>
     <p:extLst>
       <p:ext uri="{BB962C8B-B14F-4D97-AF65-F5344CB8AC3E}">
-        <p14:creationId xmlns:p14="http://schemas.microsoft.com/office/powerpoint/2010/main" val="875329411"/>
+        <p14:creationId xmlns:p14="http://schemas.microsoft.com/office/powerpoint/2010/main" val="547639448"/>
       </p:ext>
     </p:extLst>
   </p:cSld>
@@ -6237,7 +6002,7 @@
   <a:extraClrSchemeLst/>
   <a:extLst>
     <a:ext uri="{05A4C25C-085E-4340-85A3-A5531E510DB2}">
-      <thm15:themeFamily xmlns="" xmlns:thm15="http://schemas.microsoft.com/office/thememl/2012/main" name="Office Theme" id="{62F939B6-93AF-4DB8-9C6B-D6C7DFDC589F}" vid="{4A3C46E8-61CC-4603-A589-7422A47A8E4A}"/>
+      <thm15:themeFamily xmlns:thm15="http://schemas.microsoft.com/office/thememl/2012/main" xmlns="" name="Office Theme" id="{62F939B6-93AF-4DB8-9C6B-D6C7DFDC589F}" vid="{4A3C46E8-61CC-4603-A589-7422A47A8E4A}"/>
     </a:ext>
   </a:extLst>
 </a:theme>
